--- a/Arquivos/Desafio - Sample Finanças.pptx
+++ b/Arquivos/Desafio - Sample Finanças.pptx
@@ -5,7 +5,10 @@
     <p:sldMasterId id="2147483648" r:id="rId1"/>
   </p:sldMasterIdLst>
   <p:sldIdLst>
-    <p:sldId id="256" r:id="rId2"/>
+    <p:sldId id="259" r:id="rId2"/>
+    <p:sldId id="258" r:id="rId3"/>
+    <p:sldId id="257" r:id="rId4"/>
+    <p:sldId id="256" r:id="rId5"/>
   </p:sldIdLst>
   <p:sldSz cx="12192000" cy="6858000"/>
   <p:notesSz cx="6858000" cy="9144000"/>
@@ -115,7 +118,7 @@
 <file path=ppt/revisionInfo.xml><?xml version="1.0" encoding="utf-8"?>
 <p1510:revInfo xmlns:a="http://schemas.openxmlformats.org/drawingml/2006/main" xmlns:r="http://schemas.openxmlformats.org/officeDocument/2006/relationships" xmlns:p1510="http://schemas.microsoft.com/office/powerpoint/2015/10/main">
   <p1510:revLst>
-    <p1510:client id="{5615B422-1FDE-47A3-B37A-7C8EAE2A6E82}" v="1" dt="2024-07-26T02:04:43.940"/>
+    <p1510:client id="{D6E75100-939A-DE44-6C79-AEE023E1625F}" v="12" dt="2024-07-26T22:00:20.379"/>
   </p1510:revLst>
 </p1510:revInfo>
 </file>
@@ -251,7 +254,7 @@
           <a:p>
             <a:fld id="{F0E51C7C-CEA3-4CAA-BE4B-344879E7C377}" type="datetimeFigureOut">
               <a:rPr lang="de-DE" smtClean="0"/>
-              <a:t>25.07.2024</a:t>
+              <a:t>26.07.2024</a:t>
             </a:fld>
             <a:endParaRPr lang="de-DE"/>
           </a:p>
@@ -421,7 +424,7 @@
           <a:p>
             <a:fld id="{F0E51C7C-CEA3-4CAA-BE4B-344879E7C377}" type="datetimeFigureOut">
               <a:rPr lang="de-DE" smtClean="0"/>
-              <a:t>25.07.2024</a:t>
+              <a:t>26.07.2024</a:t>
             </a:fld>
             <a:endParaRPr lang="de-DE"/>
           </a:p>
@@ -601,7 +604,7 @@
           <a:p>
             <a:fld id="{F0E51C7C-CEA3-4CAA-BE4B-344879E7C377}" type="datetimeFigureOut">
               <a:rPr lang="de-DE" smtClean="0"/>
-              <a:t>25.07.2024</a:t>
+              <a:t>26.07.2024</a:t>
             </a:fld>
             <a:endParaRPr lang="de-DE"/>
           </a:p>
@@ -771,7 +774,7 @@
           <a:p>
             <a:fld id="{F0E51C7C-CEA3-4CAA-BE4B-344879E7C377}" type="datetimeFigureOut">
               <a:rPr lang="de-DE" smtClean="0"/>
-              <a:t>25.07.2024</a:t>
+              <a:t>26.07.2024</a:t>
             </a:fld>
             <a:endParaRPr lang="de-DE"/>
           </a:p>
@@ -1017,7 +1020,7 @@
           <a:p>
             <a:fld id="{F0E51C7C-CEA3-4CAA-BE4B-344879E7C377}" type="datetimeFigureOut">
               <a:rPr lang="de-DE" smtClean="0"/>
-              <a:t>25.07.2024</a:t>
+              <a:t>26.07.2024</a:t>
             </a:fld>
             <a:endParaRPr lang="de-DE"/>
           </a:p>
@@ -1249,7 +1252,7 @@
           <a:p>
             <a:fld id="{F0E51C7C-CEA3-4CAA-BE4B-344879E7C377}" type="datetimeFigureOut">
               <a:rPr lang="de-DE" smtClean="0"/>
-              <a:t>25.07.2024</a:t>
+              <a:t>26.07.2024</a:t>
             </a:fld>
             <a:endParaRPr lang="de-DE"/>
           </a:p>
@@ -1616,7 +1619,7 @@
           <a:p>
             <a:fld id="{F0E51C7C-CEA3-4CAA-BE4B-344879E7C377}" type="datetimeFigureOut">
               <a:rPr lang="de-DE" smtClean="0"/>
-              <a:t>25.07.2024</a:t>
+              <a:t>26.07.2024</a:t>
             </a:fld>
             <a:endParaRPr lang="de-DE"/>
           </a:p>
@@ -1734,7 +1737,7 @@
           <a:p>
             <a:fld id="{F0E51C7C-CEA3-4CAA-BE4B-344879E7C377}" type="datetimeFigureOut">
               <a:rPr lang="de-DE" smtClean="0"/>
-              <a:t>25.07.2024</a:t>
+              <a:t>26.07.2024</a:t>
             </a:fld>
             <a:endParaRPr lang="de-DE"/>
           </a:p>
@@ -1829,7 +1832,7 @@
           <a:p>
             <a:fld id="{F0E51C7C-CEA3-4CAA-BE4B-344879E7C377}" type="datetimeFigureOut">
               <a:rPr lang="de-DE" smtClean="0"/>
-              <a:t>25.07.2024</a:t>
+              <a:t>26.07.2024</a:t>
             </a:fld>
             <a:endParaRPr lang="de-DE"/>
           </a:p>
@@ -2106,7 +2109,7 @@
           <a:p>
             <a:fld id="{F0E51C7C-CEA3-4CAA-BE4B-344879E7C377}" type="datetimeFigureOut">
               <a:rPr lang="de-DE" smtClean="0"/>
-              <a:t>25.07.2024</a:t>
+              <a:t>26.07.2024</a:t>
             </a:fld>
             <a:endParaRPr lang="de-DE"/>
           </a:p>
@@ -2359,7 +2362,7 @@
           <a:p>
             <a:fld id="{F0E51C7C-CEA3-4CAA-BE4B-344879E7C377}" type="datetimeFigureOut">
               <a:rPr lang="de-DE" smtClean="0"/>
-              <a:t>25.07.2024</a:t>
+              <a:t>26.07.2024</a:t>
             </a:fld>
             <a:endParaRPr lang="de-DE"/>
           </a:p>
@@ -2572,7 +2575,7 @@
           <a:p>
             <a:fld id="{F0E51C7C-CEA3-4CAA-BE4B-344879E7C377}" type="datetimeFigureOut">
               <a:rPr lang="de-DE" smtClean="0"/>
-              <a:t>25.07.2024</a:t>
+              <a:t>26.07.2024</a:t>
             </a:fld>
             <a:endParaRPr lang="de-DE"/>
           </a:p>
@@ -2979,21 +2982,27 @@
       </p:grpSpPr>
       <p:sp>
         <p:nvSpPr>
-          <p:cNvPr id="2" name="Título 1"/>
-          <p:cNvSpPr>
-            <a:spLocks noGrp="1"/>
-          </p:cNvSpPr>
-          <p:nvPr>
-            <p:ph type="ctrTitle"/>
-          </p:nvPr>
-        </p:nvSpPr>
-        <p:spPr/>
-        <p:txBody>
-          <a:bodyPr/>
-          <a:lstStyle/>
-          <a:p>
-            <a:r>
-              <a:rPr lang="de-DE"/>
+          <p:cNvPr id="2" name="Título 1">
+            <a:extLst>
+              <a:ext uri="{FF2B5EF4-FFF2-40B4-BE49-F238E27FC236}">
+                <a16:creationId xmlns:a16="http://schemas.microsoft.com/office/drawing/2014/main" id="{309972EB-EDEE-640A-397B-6FF630C5FB0A}"/>
+              </a:ext>
+            </a:extLst>
+          </p:cNvPr>
+          <p:cNvSpPr>
+            <a:spLocks noGrp="1"/>
+          </p:cNvSpPr>
+          <p:nvPr>
+            <p:ph type="title"/>
+          </p:nvPr>
+        </p:nvSpPr>
+        <p:spPr/>
+        <p:txBody>
+          <a:bodyPr/>
+          <a:lstStyle/>
+          <a:p>
+            <a:r>
+              <a:rPr lang="pt-BR"/>
               <a:t>Página Inicial</a:t>
             </a:r>
           </a:p>
@@ -3001,46 +3010,46 @@
       </p:sp>
       <p:sp>
         <p:nvSpPr>
-          <p:cNvPr id="3" name="Subtítulo 2"/>
-          <p:cNvSpPr>
-            <a:spLocks noGrp="1"/>
-          </p:cNvSpPr>
-          <p:nvPr>
-            <p:ph type="subTitle" idx="1"/>
-          </p:nvPr>
-        </p:nvSpPr>
-        <p:spPr/>
-        <p:txBody>
-          <a:bodyPr/>
-          <a:lstStyle/>
-          <a:p>
-            <a:endParaRPr lang="de-DE"/>
-          </a:p>
-        </p:txBody>
-      </p:sp>
-      <mc:AlternateContent xmlns:mc="http://schemas.openxmlformats.org/markup-compatibility/2006">
-        <mc:Choice xmlns:we="http://schemas.microsoft.com/office/webextensions/webextension/2010/11" xmlns:pca="http://schemas.microsoft.com/office/powerpoint/2013/contentapp" Requires="we pca">
+          <p:cNvPr id="3" name="Espaço Reservado para Conteúdo 2">
+            <a:extLst>
+              <a:ext uri="{FF2B5EF4-FFF2-40B4-BE49-F238E27FC236}">
+                <a16:creationId xmlns:a16="http://schemas.microsoft.com/office/drawing/2014/main" id="{3751A677-B1C2-1904-89EF-300D6CD6C0D3}"/>
+              </a:ext>
+            </a:extLst>
+          </p:cNvPr>
+          <p:cNvSpPr>
+            <a:spLocks noGrp="1"/>
+          </p:cNvSpPr>
+          <p:nvPr>
+            <p:ph idx="1"/>
+          </p:nvPr>
+        </p:nvSpPr>
+        <p:spPr/>
+        <p:txBody>
+          <a:bodyPr/>
+          <a:lstStyle/>
+          <a:p>
+            <a:endParaRPr lang="pt-BR"/>
+          </a:p>
+        </p:txBody>
+      </p:sp>
+      <mc:AlternateContent xmlns:mc="http://schemas.openxmlformats.org/markup-compatibility/2006" xmlns:we="http://schemas.microsoft.com/office/webextensions/webextension/2010/11" xmlns:pca="http://schemas.microsoft.com/office/powerpoint/2013/contentapp">
+        <mc:Choice Requires="we pca">
           <p:graphicFrame>
             <p:nvGraphicFramePr>
               <p:cNvPr id="4" name="Objeto 3">
                 <a:extLst>
                   <a:ext uri="{FF2B5EF4-FFF2-40B4-BE49-F238E27FC236}">
-                    <a16:creationId xmlns:a16="http://schemas.microsoft.com/office/drawing/2014/main" id="{6E296156-E74C-D900-A07D-827FF949B71D}"/>
+                    <a16:creationId xmlns:a16="http://schemas.microsoft.com/office/drawing/2014/main" id="{A1435541-6183-E65F-6AE1-45CBC854BFB3}"/>
                   </a:ext>
                 </a:extLst>
               </p:cNvPr>
               <p:cNvGraphicFramePr/>
-              <p:nvPr>
-                <p:extLst>
-                  <p:ext uri="{D42A27DB-BD31-4B8C-83A1-F6EECF244321}">
-                    <p14:modId xmlns:p14="http://schemas.microsoft.com/office/powerpoint/2010/main" val="98803280"/>
-                  </p:ext>
-                </p:extLst>
-              </p:nvPr>
+              <p:nvPr/>
             </p:nvGraphicFramePr>
             <p:xfrm>
-              <a:off x="-848264" y="-64698"/>
-              <a:ext cx="13802264" cy="6958642"/>
+              <a:off x="-805132" y="-668547"/>
+              <a:ext cx="13802264" cy="8195094"/>
             </p:xfrm>
             <a:graphic>
               <a:graphicData uri="http://schemas.microsoft.com/office/webextensions/webextension/2010/11">
@@ -3049,13 +3058,13 @@
             </a:graphic>
           </p:graphicFrame>
         </mc:Choice>
-        <mc:Fallback>
+        <mc:Fallback xmlns="">
           <p:pic>
             <p:nvPicPr>
               <p:cNvPr id="4" name="Objeto 3">
                 <a:extLst>
                   <a:ext uri="{FF2B5EF4-FFF2-40B4-BE49-F238E27FC236}">
-                    <a16:creationId xmlns:a16="http://schemas.microsoft.com/office/drawing/2014/main" id="{6E296156-E74C-D900-A07D-827FF949B71D}"/>
+                    <a16:creationId xmlns:a16="http://schemas.microsoft.com/office/drawing/2014/main" id="{A1435541-6183-E65F-6AE1-45CBC854BFB3}"/>
                   </a:ext>
                 </a:extLst>
               </p:cNvPr>
@@ -3072,8 +3081,8 @@
             </p:blipFill>
             <p:spPr>
               <a:xfrm>
-                <a:off x="-848264" y="-64698"/>
-                <a:ext cx="13802264" cy="6958642"/>
+                <a:off x="-805132" y="-668547"/>
+                <a:ext cx="13802264" cy="8195094"/>
               </a:xfrm>
               <a:prstGeom prst="rect">
                 <a:avLst/>
@@ -3082,44 +3091,128 @@
           </p:pic>
         </mc:Fallback>
       </mc:AlternateContent>
-      <mc:AlternateContent xmlns:mc="http://schemas.openxmlformats.org/markup-compatibility/2006">
-        <mc:Choice xmlns:we="http://schemas.microsoft.com/office/webextensions/webextension/2010/11" xmlns:pca="http://schemas.microsoft.com/office/powerpoint/2013/contentapp" Requires="we pca">
+    </p:spTree>
+    <p:extLst>
+      <p:ext uri="{BB962C8B-B14F-4D97-AF65-F5344CB8AC3E}">
+        <p14:creationId xmlns:p14="http://schemas.microsoft.com/office/powerpoint/2010/main" val="2205518066"/>
+      </p:ext>
+    </p:extLst>
+  </p:cSld>
+  <p:clrMapOvr>
+    <a:masterClrMapping/>
+  </p:clrMapOvr>
+</p:sld>
+</file>
+
+<file path=ppt/slides/slide2.xml><?xml version="1.0" encoding="utf-8"?>
+<p:sld xmlns:a="http://schemas.openxmlformats.org/drawingml/2006/main" xmlns:r="http://schemas.openxmlformats.org/officeDocument/2006/relationships" xmlns:p="http://schemas.openxmlformats.org/presentationml/2006/main">
+  <p:cSld>
+    <p:spTree>
+      <p:nvGrpSpPr>
+        <p:cNvPr id="1" name=""/>
+        <p:cNvGrpSpPr/>
+        <p:nvPr/>
+      </p:nvGrpSpPr>
+      <p:grpSpPr>
+        <a:xfrm>
+          <a:off x="0" y="0"/>
+          <a:ext cx="0" cy="0"/>
+          <a:chOff x="0" y="0"/>
+          <a:chExt cx="0" cy="0"/>
+        </a:xfrm>
+      </p:grpSpPr>
+      <p:sp>
+        <p:nvSpPr>
+          <p:cNvPr id="2" name="Título 1">
+            <a:extLst>
+              <a:ext uri="{FF2B5EF4-FFF2-40B4-BE49-F238E27FC236}">
+                <a16:creationId xmlns:a16="http://schemas.microsoft.com/office/drawing/2014/main" id="{71497A95-189C-9808-34E0-312DC714D712}"/>
+              </a:ext>
+            </a:extLst>
+          </p:cNvPr>
+          <p:cNvSpPr>
+            <a:spLocks noGrp="1"/>
+          </p:cNvSpPr>
+          <p:nvPr>
+            <p:ph type="title"/>
+          </p:nvPr>
+        </p:nvSpPr>
+        <p:spPr/>
+        <p:txBody>
+          <a:bodyPr/>
+          <a:lstStyle/>
+          <a:p>
+            <a:r>
+              <a:rPr lang="pt-BR"/>
+              <a:t>Prod/Seg</a:t>
+            </a:r>
+          </a:p>
+          <a:p>
+            <a:r>
+              <a:rPr lang="pt-BR" sz="2800"/>
+              <a:t>Desafio - Sample Finanças</a:t>
+            </a:r>
+            <a:endParaRPr lang="pt-BR"/>
+          </a:p>
+        </p:txBody>
+      </p:sp>
+      <p:sp>
+        <p:nvSpPr>
+          <p:cNvPr id="3" name="Espaço Reservado para Conteúdo 2">
+            <a:extLst>
+              <a:ext uri="{FF2B5EF4-FFF2-40B4-BE49-F238E27FC236}">
+                <a16:creationId xmlns:a16="http://schemas.microsoft.com/office/drawing/2014/main" id="{BA85BCBD-CE0D-B00B-DB10-72307B668CCF}"/>
+              </a:ext>
+            </a:extLst>
+          </p:cNvPr>
+          <p:cNvSpPr>
+            <a:spLocks noGrp="1"/>
+          </p:cNvSpPr>
+          <p:nvPr>
+            <p:ph idx="1"/>
+          </p:nvPr>
+        </p:nvSpPr>
+        <p:spPr/>
+        <p:txBody>
+          <a:bodyPr/>
+          <a:lstStyle/>
+          <a:p>
+            <a:endParaRPr lang="pt-BR"/>
+          </a:p>
+        </p:txBody>
+      </p:sp>
+      <mc:AlternateContent xmlns:mc="http://schemas.openxmlformats.org/markup-compatibility/2006" xmlns:we="http://schemas.microsoft.com/office/webextensions/webextension/2010/11" xmlns:pca="http://schemas.microsoft.com/office/powerpoint/2013/contentapp">
+        <mc:Choice Requires="we pca">
           <p:graphicFrame>
             <p:nvGraphicFramePr>
-              <p:cNvPr id="5" name="Objeto 4">
+              <p:cNvPr id="4" name="Objeto 3">
                 <a:extLst>
                   <a:ext uri="{FF2B5EF4-FFF2-40B4-BE49-F238E27FC236}">
-                    <a16:creationId xmlns:a16="http://schemas.microsoft.com/office/drawing/2014/main" id="{7F7899AF-468E-086F-4651-9D12D262F440}"/>
+                    <a16:creationId xmlns:a16="http://schemas.microsoft.com/office/drawing/2014/main" id="{337D01F3-A445-63D2-E424-815C929FFB91}"/>
                   </a:ext>
                 </a:extLst>
               </p:cNvPr>
               <p:cNvGraphicFramePr/>
-              <p:nvPr>
-                <p:extLst>
-                  <p:ext uri="{D42A27DB-BD31-4B8C-83A1-F6EECF244321}">
-                    <p14:modId xmlns:p14="http://schemas.microsoft.com/office/powerpoint/2010/main" val="2450301738"/>
-                  </p:ext>
-                </p:extLst>
-              </p:nvPr>
+              <p:nvPr/>
             </p:nvGraphicFramePr>
             <p:xfrm>
-              <a:off x="-920151" y="-237226"/>
-              <a:ext cx="13802264" cy="7562491"/>
+              <a:off x="-805132" y="-668547"/>
+              <a:ext cx="13802264" cy="8195094"/>
             </p:xfrm>
             <a:graphic>
               <a:graphicData uri="http://schemas.microsoft.com/office/webextensions/webextension/2010/11">
-                <we:webextensionref xmlns:we="http://schemas.microsoft.com/office/webextensions/webextension/2010/11" xmlns:r="http://schemas.openxmlformats.org/officeDocument/2006/relationships" r:id="rId4"/>
+                <we:webextensionref xmlns:we="http://schemas.microsoft.com/office/webextensions/webextension/2010/11" xmlns:r="http://schemas.openxmlformats.org/officeDocument/2006/relationships" r:id="rId2"/>
               </a:graphicData>
             </a:graphic>
           </p:graphicFrame>
         </mc:Choice>
-        <mc:Fallback>
+        <mc:Fallback xmlns="">
           <p:pic>
             <p:nvPicPr>
-              <p:cNvPr id="5" name="Objeto 4">
+              <p:cNvPr id="4" name="Objeto 3">
                 <a:extLst>
                   <a:ext uri="{FF2B5EF4-FFF2-40B4-BE49-F238E27FC236}">
-                    <a16:creationId xmlns:a16="http://schemas.microsoft.com/office/drawing/2014/main" id="{7F7899AF-468E-086F-4651-9D12D262F440}"/>
+                    <a16:creationId xmlns:a16="http://schemas.microsoft.com/office/drawing/2014/main" id="{337D01F3-A445-63D2-E424-815C929FFB91}"/>
                   </a:ext>
                 </a:extLst>
               </p:cNvPr>
@@ -3129,15 +3222,292 @@
               <p:nvPr/>
             </p:nvPicPr>
             <p:blipFill>
-              <a:blip r:embed="rId5"/>
+              <a:blip r:embed="rId3"/>
               <a:stretch>
                 <a:fillRect/>
               </a:stretch>
             </p:blipFill>
             <p:spPr>
               <a:xfrm>
-                <a:off x="-920151" y="-237226"/>
-                <a:ext cx="13802264" cy="7562491"/>
+                <a:off x="-805132" y="-668547"/>
+                <a:ext cx="13802264" cy="8195094"/>
+              </a:xfrm>
+              <a:prstGeom prst="rect">
+                <a:avLst/>
+              </a:prstGeom>
+            </p:spPr>
+          </p:pic>
+        </mc:Fallback>
+      </mc:AlternateContent>
+    </p:spTree>
+    <p:extLst>
+      <p:ext uri="{BB962C8B-B14F-4D97-AF65-F5344CB8AC3E}">
+        <p14:creationId xmlns:p14="http://schemas.microsoft.com/office/powerpoint/2010/main" val="3146569484"/>
+      </p:ext>
+    </p:extLst>
+  </p:cSld>
+  <p:clrMapOvr>
+    <a:masterClrMapping/>
+  </p:clrMapOvr>
+</p:sld>
+</file>
+
+<file path=ppt/slides/slide3.xml><?xml version="1.0" encoding="utf-8"?>
+<p:sld xmlns:a="http://schemas.openxmlformats.org/drawingml/2006/main" xmlns:r="http://schemas.openxmlformats.org/officeDocument/2006/relationships" xmlns:p="http://schemas.openxmlformats.org/presentationml/2006/main">
+  <p:cSld>
+    <p:spTree>
+      <p:nvGrpSpPr>
+        <p:cNvPr id="1" name=""/>
+        <p:cNvGrpSpPr/>
+        <p:nvPr/>
+      </p:nvGrpSpPr>
+      <p:grpSpPr>
+        <a:xfrm>
+          <a:off x="0" y="0"/>
+          <a:ext cx="0" cy="0"/>
+          <a:chOff x="0" y="0"/>
+          <a:chExt cx="0" cy="0"/>
+        </a:xfrm>
+      </p:grpSpPr>
+      <p:sp>
+        <p:nvSpPr>
+          <p:cNvPr id="2" name="Título 1">
+            <a:extLst>
+              <a:ext uri="{FF2B5EF4-FFF2-40B4-BE49-F238E27FC236}">
+                <a16:creationId xmlns:a16="http://schemas.microsoft.com/office/drawing/2014/main" id="{57D444DB-BCD5-4FB9-F4CE-FD6C21C71B9C}"/>
+              </a:ext>
+            </a:extLst>
+          </p:cNvPr>
+          <p:cNvSpPr>
+            <a:spLocks noGrp="1"/>
+          </p:cNvSpPr>
+          <p:nvPr>
+            <p:ph type="title"/>
+          </p:nvPr>
+        </p:nvSpPr>
+        <p:spPr/>
+        <p:txBody>
+          <a:bodyPr/>
+          <a:lstStyle/>
+          <a:p>
+            <a:r>
+              <a:rPr lang="pt-BR"/>
+              <a:t>País/Lucro</a:t>
+            </a:r>
+          </a:p>
+        </p:txBody>
+      </p:sp>
+      <p:sp>
+        <p:nvSpPr>
+          <p:cNvPr id="3" name="Espaço Reservado para Conteúdo 2">
+            <a:extLst>
+              <a:ext uri="{FF2B5EF4-FFF2-40B4-BE49-F238E27FC236}">
+                <a16:creationId xmlns:a16="http://schemas.microsoft.com/office/drawing/2014/main" id="{6C31C620-CB6D-132F-3B98-AED220666AC3}"/>
+              </a:ext>
+            </a:extLst>
+          </p:cNvPr>
+          <p:cNvSpPr>
+            <a:spLocks noGrp="1"/>
+          </p:cNvSpPr>
+          <p:nvPr>
+            <p:ph idx="1"/>
+          </p:nvPr>
+        </p:nvSpPr>
+        <p:spPr/>
+        <p:txBody>
+          <a:bodyPr/>
+          <a:lstStyle/>
+          <a:p>
+            <a:endParaRPr lang="pt-BR"/>
+          </a:p>
+        </p:txBody>
+      </p:sp>
+      <mc:AlternateContent xmlns:mc="http://schemas.openxmlformats.org/markup-compatibility/2006" xmlns:we="http://schemas.microsoft.com/office/webextensions/webextension/2010/11" xmlns:pca="http://schemas.microsoft.com/office/powerpoint/2013/contentapp">
+        <mc:Choice Requires="we pca">
+          <p:graphicFrame>
+            <p:nvGraphicFramePr>
+              <p:cNvPr id="4" name="Objeto 3">
+                <a:extLst>
+                  <a:ext uri="{FF2B5EF4-FFF2-40B4-BE49-F238E27FC236}">
+                    <a16:creationId xmlns:a16="http://schemas.microsoft.com/office/drawing/2014/main" id="{0B0E72C0-F750-2307-4B9E-05824C572FF2}"/>
+                  </a:ext>
+                </a:extLst>
+              </p:cNvPr>
+              <p:cNvGraphicFramePr/>
+              <p:nvPr/>
+            </p:nvGraphicFramePr>
+            <p:xfrm>
+              <a:off x="-805132" y="-668547"/>
+              <a:ext cx="13802264" cy="8195094"/>
+            </p:xfrm>
+            <a:graphic>
+              <a:graphicData uri="http://schemas.microsoft.com/office/webextensions/webextension/2010/11">
+                <we:webextensionref xmlns:we="http://schemas.microsoft.com/office/webextensions/webextension/2010/11" xmlns:r="http://schemas.openxmlformats.org/officeDocument/2006/relationships" r:id="rId2"/>
+              </a:graphicData>
+            </a:graphic>
+          </p:graphicFrame>
+        </mc:Choice>
+        <mc:Fallback xmlns="">
+          <p:pic>
+            <p:nvPicPr>
+              <p:cNvPr id="4" name="Objeto 3">
+                <a:extLst>
+                  <a:ext uri="{FF2B5EF4-FFF2-40B4-BE49-F238E27FC236}">
+                    <a16:creationId xmlns:a16="http://schemas.microsoft.com/office/drawing/2014/main" id="{0B0E72C0-F750-2307-4B9E-05824C572FF2}"/>
+                  </a:ext>
+                </a:extLst>
+              </p:cNvPr>
+              <p:cNvPicPr>
+                <a:picLocks noGrp="1" noRot="1" noChangeAspect="1" noMove="1" noResize="1" noEditPoints="1" noAdjustHandles="1" noChangeArrowheads="1" noChangeShapeType="1"/>
+              </p:cNvPicPr>
+              <p:nvPr/>
+            </p:nvPicPr>
+            <p:blipFill>
+              <a:blip r:embed="rId3"/>
+              <a:stretch>
+                <a:fillRect/>
+              </a:stretch>
+            </p:blipFill>
+            <p:spPr>
+              <a:xfrm>
+                <a:off x="-805132" y="-668547"/>
+                <a:ext cx="13802264" cy="8195094"/>
+              </a:xfrm>
+              <a:prstGeom prst="rect">
+                <a:avLst/>
+              </a:prstGeom>
+            </p:spPr>
+          </p:pic>
+        </mc:Fallback>
+      </mc:AlternateContent>
+    </p:spTree>
+    <p:extLst>
+      <p:ext uri="{BB962C8B-B14F-4D97-AF65-F5344CB8AC3E}">
+        <p14:creationId xmlns:p14="http://schemas.microsoft.com/office/powerpoint/2010/main" val="3519584680"/>
+      </p:ext>
+    </p:extLst>
+  </p:cSld>
+  <p:clrMapOvr>
+    <a:masterClrMapping/>
+  </p:clrMapOvr>
+</p:sld>
+</file>
+
+<file path=ppt/slides/slide4.xml><?xml version="1.0" encoding="utf-8"?>
+<p:sld xmlns:a="http://schemas.openxmlformats.org/drawingml/2006/main" xmlns:r="http://schemas.openxmlformats.org/officeDocument/2006/relationships" xmlns:p="http://schemas.openxmlformats.org/presentationml/2006/main">
+  <p:cSld>
+    <p:spTree>
+      <p:nvGrpSpPr>
+        <p:cNvPr id="1" name=""/>
+        <p:cNvGrpSpPr/>
+        <p:nvPr/>
+      </p:nvGrpSpPr>
+      <p:grpSpPr>
+        <a:xfrm>
+          <a:off x="0" y="0"/>
+          <a:ext cx="0" cy="0"/>
+          <a:chOff x="0" y="0"/>
+          <a:chExt cx="0" cy="0"/>
+        </a:xfrm>
+      </p:grpSpPr>
+      <p:sp>
+        <p:nvSpPr>
+          <p:cNvPr id="2" name="Título 1"/>
+          <p:cNvSpPr>
+            <a:spLocks noGrp="1"/>
+          </p:cNvSpPr>
+          <p:nvPr>
+            <p:ph type="ctrTitle"/>
+          </p:nvPr>
+        </p:nvSpPr>
+        <p:spPr/>
+        <p:txBody>
+          <a:bodyPr/>
+          <a:lstStyle/>
+          <a:p>
+            <a:r>
+              <a:rPr lang="de-DE"/>
+              <a:t>Lucro/Vendas-País/Segmento</a:t>
+            </a:r>
+          </a:p>
+          <a:p>
+            <a:r>
+              <a:rPr lang="de-DE" sz="3900"/>
+              <a:t>Desafio - Sample Finanças</a:t>
+            </a:r>
+            <a:endParaRPr lang="de-DE"/>
+          </a:p>
+        </p:txBody>
+      </p:sp>
+      <p:sp>
+        <p:nvSpPr>
+          <p:cNvPr id="3" name="Subtítulo 2"/>
+          <p:cNvSpPr>
+            <a:spLocks noGrp="1"/>
+          </p:cNvSpPr>
+          <p:nvPr>
+            <p:ph type="subTitle" idx="1"/>
+          </p:nvPr>
+        </p:nvSpPr>
+        <p:spPr/>
+        <p:txBody>
+          <a:bodyPr/>
+          <a:lstStyle/>
+          <a:p>
+            <a:endParaRPr lang="de-DE"/>
+          </a:p>
+        </p:txBody>
+      </p:sp>
+      <mc:AlternateContent xmlns:mc="http://schemas.openxmlformats.org/markup-compatibility/2006" xmlns:we="http://schemas.microsoft.com/office/webextensions/webextension/2010/11" xmlns:pca="http://schemas.microsoft.com/office/powerpoint/2013/contentapp">
+        <mc:Choice Requires="we pca">
+          <p:graphicFrame>
+            <p:nvGraphicFramePr>
+              <p:cNvPr id="4" name="Objeto 3">
+                <a:extLst>
+                  <a:ext uri="{FF2B5EF4-FFF2-40B4-BE49-F238E27FC236}">
+                    <a16:creationId xmlns:a16="http://schemas.microsoft.com/office/drawing/2014/main" id="{53A4F47D-1F4C-B8C1-60C2-79EAAAEE0D54}"/>
+                  </a:ext>
+                </a:extLst>
+              </p:cNvPr>
+              <p:cNvGraphicFramePr/>
+              <p:nvPr/>
+            </p:nvGraphicFramePr>
+            <p:xfrm>
+              <a:off x="-805132" y="-668547"/>
+              <a:ext cx="13802264" cy="8195094"/>
+            </p:xfrm>
+            <a:graphic>
+              <a:graphicData uri="http://schemas.microsoft.com/office/webextensions/webextension/2010/11">
+                <we:webextensionref xmlns:we="http://schemas.microsoft.com/office/webextensions/webextension/2010/11" xmlns:r="http://schemas.openxmlformats.org/officeDocument/2006/relationships" r:id="rId2"/>
+              </a:graphicData>
+            </a:graphic>
+          </p:graphicFrame>
+        </mc:Choice>
+        <mc:Fallback xmlns="">
+          <p:pic>
+            <p:nvPicPr>
+              <p:cNvPr id="4" name="Objeto 3">
+                <a:extLst>
+                  <a:ext uri="{FF2B5EF4-FFF2-40B4-BE49-F238E27FC236}">
+                    <a16:creationId xmlns:a16="http://schemas.microsoft.com/office/drawing/2014/main" id="{53A4F47D-1F4C-B8C1-60C2-79EAAAEE0D54}"/>
+                  </a:ext>
+                </a:extLst>
+              </p:cNvPr>
+              <p:cNvPicPr>
+                <a:picLocks noGrp="1" noRot="1" noChangeAspect="1" noMove="1" noResize="1" noEditPoints="1" noAdjustHandles="1" noChangeArrowheads="1" noChangeShapeType="1"/>
+              </p:cNvPicPr>
+              <p:nvPr/>
+            </p:nvPicPr>
+            <p:blipFill>
+              <a:blip r:embed="rId3"/>
+              <a:stretch>
+                <a:fillRect/>
+              </a:stretch>
+            </p:blipFill>
+            <p:spPr>
+              <a:xfrm>
+                <a:off x="-805132" y="-668547"/>
+                <a:ext cx="13802264" cy="8195094"/>
               </a:xfrm>
               <a:prstGeom prst="rect">
                 <a:avLst/>
@@ -3441,17 +3811,17 @@
 </file>
 
 <file path=ppt/webextensions/webextension1.xml><?xml version="1.0" encoding="utf-8"?>
-<we:webextension xmlns:we="http://schemas.microsoft.com/office/webextensions/webextension/2010/11" id="{4FE35983-43A4-44C5-9065-ACB03DC0B779}">
+<we:webextension xmlns:we="http://schemas.microsoft.com/office/webextensions/webextension/2010/11" id="{F035F6A4-A3D8-48CC-85CF-6967BB73AE25}">
   <we:reference id="WA200003233" version="2.0.0.3" store="en-US" storeType="omex"/>
   <we:alternateReferences>
     <we:reference id="WA200003233" version="2.0.0.3" store="omex" storeType="omex"/>
   </we:alternateReferences>
   <we:properties>
-    <we:property name="reportUrl" value="&quot;/groups/5f81a70e-18bd-42f6-9b50-6b65f04f9509/reports/6102f43d-cdf7-4491-82cd-c5572d05ecef/22ed5f40280851759b76?bookmarkGuid=3a0647df-5c42-4ae8-bbfb-294813c04c6d&amp;bookmarkUsage=1&amp;ctid=132903ac-469d-4d4a-8811-f116451ba036&amp;fromEntryPoint=export&amp;pbi_source=storytelling_addin&quot;"/>
+    <we:property name="reportUrl" value="&quot;/groups/me/reports/6102f43d-cdf7-4491-82cd-c5572d05ecef/22ed5f40280851759b76?bookmarkGuid=2f4fb479-caa5-4c16-b316-b50125d9027a&amp;bookmarkUsage=1&amp;ctid=132903ac-469d-4d4a-8811-f116451ba036&amp;fromEntryPoint=export&quot;"/>
     <we:property name="reportState" value="&quot;CONNECTED&quot;"/>
     <we:property name="artifactViewState" value="&quot;live&quot;"/>
-    <we:property name="reportEmbeddedTime" value="&quot;2024-07-26T01:51:26.519Z&quot;"/>
-    <we:property name="creatorSessionId" value="&quot;6b04f876-1047-4789-8abd-4b8ce009dd52&quot;"/>
+    <we:property name="reportEmbeddedTime" value="&quot;2024-07-26T21:57:58.206Z&quot;"/>
+    <we:property name="creatorSessionId" value="&quot;8f072f32-7cb2-44d7-be59-9a1e1ffc7f03&quot;"/>
     <we:property name="creatorUserId" value="&quot;100320039291E7C0&quot;"/>
     <we:property name="creatorTenantId" value="&quot;132903ac-469d-4d4a-8811-f116451ba036&quot;"/>
     <we:property name="pageDisplayName" value="&quot;Página Inicial&quot;"/>
@@ -3460,12 +3830,10 @@
     <we:property name="isVisualContainerHeaderHidden" value="false"/>
     <we:property name="isFiltersActionButtonVisible" value="true"/>
     <we:property name="initialStateBookmark" value="&quot;H4sIAAAAAAAAA4VRTWsCMRD9KyVnKfu9W2+29FCsH9TiRaTMZsclJSYhyYpW/O+d7ApCKXhJMi9v3pu8nFkjnJFwmsMe2Zi9qUZwaLR9iNmIqQF8Xiyms8nH9Gs+mb0SrI0XWjk2PjMPtkW/Fq4DGSQI3GxHDKRcQhuqHUiHI2bQOq1Aih8cyHTlbYeXEcOjkdpCkFx58BhkD0Snmrzjx5QcgXtxwBVyP6BJgk2+y6Kkiqo8LvOnuiyI5gZCP9m/lCDd279o5UEosglYUXJe5nwX1UmUZhgD8CzgTqhWXge+9X6eTEjF0APncBAteG1DKvU32Qe9y4WelRZpkmVFEsVNFWEEMRTVXU2PR1/r41+1XvCGsD1S6uGgO+8McFyConpzZsZqitoL7HkULagGm+vZhv1deLSD9RpkF1z7P2K9CU0jaol3GsLPsX6sbVh+AZp232lFAgAA&quot;"/>
-    <we:property name="bookmark" value="&quot;H4sIAAAAAAAAA4VRTWsDIRD9K8XzUtzv3Vx7KpQQSMkl5DCrk8ViVNQNSUP+e8fdQKAUelHn+Xxv5nljUgWn4bqGE7IVezdSCZDWv+QsY2YB+3qohq6su6Lry6GVvMKebq2LyprAVjcWwY8YdypMoJMSgftDxkDrDYypOoIOmDGHPlgDWn3jQqar6Ce8ZwwvTlsPSXIbIWKSPROdamohfy3JEURUZ9yiiAtaFCjrY8WLjnd13tb90DZECwth7uxPSpKe7d+siaAM2SSsaYVoa3HkQ8HLCnMAUSU8KDPqR8PPt59Xl8JxNOAazmqEaH1KZfgi+6R3v9NYZVMWVdUUPJcdRw45NN2/mhEvcbCX32qz4BNhJ6TU08FOMTgQuAFD9f7GnLcUdVQ48yhaMBLl4+zT/qEi+sV6B3pKrvMfsdnmkJYf4XVdKxwCAAA=&quot;"/>
+    <we:property name="bookmark" value="&quot;H4sIAAAAAAAAA4VRTWsDIRD9K8XzUnS/22tPhRICKbmEHGZ1sliMirohach/77gbCJRCL+o8n+/NPK9M6egNXFZwRPbK3q3SEpQLT4IVzC6gAt60vOPQ874CGFpRcrp1PmlnI3u9sgRhxLTVcQKTlQjc7QsGxqxhzNUBTMSCeQzRWTD6GxcyXaUw4a1gePbGBciSmwQJs+yJ6FRTC+K5IkeQSZ9wgzItaFmiag41L6mxRnTNy9C1RIsLYe7sT0qWnu3fnE2gLdlkrO2k7Bp54EPJqxoFgKwzHrUdzb3hx9vPi8/heBpwBSc9QnIhpzJ8kX3Wu91orKqtyrpuSy5Uz5GDgLb/VzPhOQ3u/FttFnwg7IiUej64KUUPEtdgqd5dmQ+Ook4aZx5FC1ahup9D3j90wrBYb8FM2XX+Izbb7PPyA+yLBWccAgAA&quot;"/>
     <we:property name="datasetId" value="&quot;36b5070d-5382-4743-8367-587de534c35c&quot;"/>
     <we:property name="embedUrl" value="&quot;/reportEmbed?reportId=6102f43d-cdf7-4491-82cd-c5572d05ecef&amp;config=eyJjbHVzdGVyVXJsIjoiaHR0cHM6Ly9XQUJJLUJSQVpJTC1TT1VUSC1CLVBSSU1BUlktcmVkaXJlY3QuYW5hbHlzaXMud2luZG93cy5uZXQiLCJlbWJlZEZlYXR1cmVzIjp7InVzYWdlTWV0cmljc1ZOZXh0Ijp0cnVlfX0%3D&amp;disableSensitivityBanner=true&quot;"/>
     <we:property name="backgroundColor" value="&quot;#FFFFFF&quot;"/>
-    <we:property name="isTitleSuggestionsDialogRejected" value="true"/>
-    <we:property name="isFooterCollapsed" value="true"/>
   </we:properties>
   <we:bindings/>
   <we:snapshot xmlns:r="http://schemas.openxmlformats.org/officeDocument/2006/relationships" r:embed="rId1"/>
@@ -3473,30 +3841,89 @@
 </file>
 
 <file path=ppt/webextensions/webextension2.xml><?xml version="1.0" encoding="utf-8"?>
-<we:webextension xmlns:we="http://schemas.microsoft.com/office/webextensions/webextension/2010/11" id="{6DEF3CE3-E65E-47C8-A63E-081E807C26FA}">
+<we:webextension xmlns:we="http://schemas.microsoft.com/office/webextensions/webextension/2010/11" id="{DAA2E024-C4E1-4BB3-8260-864DB97919B5}">
   <we:reference id="WA200003233" version="2.0.0.3" store="en-US" storeType="omex"/>
   <we:alternateReferences>
     <we:reference id="WA200003233" version="2.0.0.3" store="omex" storeType="omex"/>
   </we:alternateReferences>
   <we:properties>
-    <we:property name="embedUrl" value="&quot;/reportEmbed?reportId=6102f43d-cdf7-4491-82cd-c5572d05ecef&amp;config=eyJjbHVzdGVyVXJsIjoiaHR0cHM6Ly9XQUJJLUJSQVpJTC1TT1VUSC1CLVBSSU1BUlktcmVkaXJlY3QuYW5hbHlzaXMud2luZG93cy5uZXQiLCJlbWJlZEZlYXR1cmVzIjp7InVzYWdlTWV0cmljc1ZOZXh0Ijp0cnVlfX0%3D&amp;disableSensitivityBanner=true&quot;"/>
-    <we:property name="bookmark" value="&quot;H4sIAAAAAAAAA+1YzW4jNwx+lWAue3GM+f/ZW+JN0UWTIqgXuRRGwZFoRwtlxitp0riBn2fRvkZerJQ0TuPaG6duim2NwhcNRZEfP5Gi5PuACz2XsPgebjB4G7xvuGDAW3UUBYOg8cIwSeMMsqzgYZqxMI2qyM62cyPaRgdv7wMDaobmSugOpLVEwh8ngwCkvISZ/ZqC1DgI5qh024AUv6BXpimjOlwOAryby1aBNTk2YNCavSV1+iYI0TAhj8CMuMUxMuOlOU4xqhiUcV7kvKwTlnJS017BIduqYk0796O2MSAacmNlDOsYGQuTPEwYMJanaWLlWjQz2QP+Y+2HxdySY/DO1O2d5aP+SI6tpeWSAkqrmKzVZZ6FaRVlBUJR2dVTIU3vsF6c3c0VcUUMemsjinzWKtoDGThOFGpPwX0wamV340Zna/Jx2ymGP+DUTTVGmAVZGl8jmiiwSC5VS8Q7KQ15Z1onvm5/Hikkh0RIuBw8Yjjht9Aw5BsATmYzhTMw/efZq6O7woaDdtJvuqbf5XAT64Qkz27KXODoGpRZ3xX6UBzV6cIx/k6oVSLFgz+B/mqRLierLCflj0/yuE8MD/11M2Hi0nWa0K+o0jCvgJUVz+MQd6brF1PlW4EKFLtenOMtyk2kj/ObUyuMV6CEPw5cVHtE259pj4aCNQLe2UPGqj3B0o8/dQKOOB5xMP0m9WEEJ83ztfNc/R4qJxcPv+ktpOwsUi0FQ7VWosENUiOxA+vGZdrcoxPo51vuptEl4n1wLig5ve0rkJ01++YUtGBvApfVQr9vqIsQpDFKX04Xu03YlmTXu3LUq4Vb4GhDW23GLkrvYIdl1wd70xbf1lp3ytq5O9Sc8XU08X0fGr3q+j5q1Uo3WjFBuyDtQj/7qUO1ILhOw8McWhDDR4DDLe6H1uXEZgSdnhLm2map3WgScXRRf4cLvcf5et5StVsAH6CW+FOWFlHCy/C4LNPiOMWUH1dpyY+hRoAyZ/WUbRzGPR0W3aVomhU0e7DsGa0ryi+Eu+6DlFTbusRdEbFKwKaTsk/UGKcxQ0AIeRyGSYF5GO7fHv41N4mXndyvgWiMsxti9//28cL28YL76KEysv2SsbOfMtlpqkXkPl23XoB33y0PnNTDDbCvI3+bzzCCOsoxLgusap7UBTWd//Tj8wJBd2ofrp8guHj4lRN/lwofPrdHrknsU2lAun/rffkPBvP1XpDA0qqmZ2MUFmEaphlm/orwPJUO4GlnjCuCtf9QnNVtj4O2M3oODC+hwS23cnel5Mj/0l18ufwdopPkbwwTAAA=&quot;"/>
-    <we:property name="datasetId" value="&quot;36b5070d-5382-4743-8367-587de534c35c&quot;"/>
-    <we:property name="pageName" value="&quot;6efe19ca82676d8b3c4d&quot;"/>
-    <we:property name="reportUrl" value="&quot;/groups/me/reports/6102f43d-cdf7-4491-82cd-c5572d05ecef/6efe19ca82676d8b3c4d?pbi_source=storytelling_addin&quot;"/>
+    <we:property name="reportUrl" value="&quot;/groups/me/reports/6102f43d-cdf7-4491-82cd-c5572d05ecef/819a5bdf373dc33596cb?bookmarkGuid=48beb742-1c76-4e39-adb9-0ce89cbb9945&amp;bookmarkUsage=1&amp;ctid=132903ac-469d-4d4a-8811-f116451ba036&amp;fromEntryPoint=export&amp;pbi_source=storytelling_addin&quot;"/>
     <we:property name="reportState" value="&quot;CONNECTED&quot;"/>
     <we:property name="artifactViewState" value="&quot;live&quot;"/>
-    <we:property name="reportEmbeddedTime" value="&quot;2024-07-26T02:15:12.950Z&quot;"/>
-    <we:property name="creatorSessionId" value="&quot;09ad3145-8971-4507-a3ea-560720eb8bdf&quot;"/>
+    <we:property name="reportEmbeddedTime" value="&quot;2024-07-26T21:56:57.927Z&quot;"/>
+    <we:property name="creatorSessionId" value="&quot;df734503-1e3b-4101-9dfa-2484827e8053&quot;"/>
     <we:property name="creatorUserId" value="&quot;100320039291E7C0&quot;"/>
     <we:property name="creatorTenantId" value="&quot;132903ac-469d-4d4a-8811-f116451ba036&quot;"/>
-    <we:property name="pageDisplayName" value="&quot;Prod/Seg&quot;"/>
+    <we:property name="pageDisplayName" value="&quot;Lucro/Vendas-País/Segmento&quot;"/>
+    <we:property name="pageName" value="&quot;819a5bdf373dc33596cb&quot;"/>
     <we:property name="reportName" value="&quot;Desafio - Sample Finanças&quot;"/>
     <we:property name="isVisualContainerHeaderHidden" value="false"/>
     <we:property name="isFiltersActionButtonVisible" value="true"/>
-    <we:property name="initialStateBookmark" value="&quot;H4sIAAAAAAAAA4VRTWsCMRD9KyVnKfu9W2+29FCsH9TiRaTMZsclJSYhyYpW/O+d7ApCKXhJMi9v3pu8nFkjnJFwmsMe2Zi9qUZwaLR9iNmIqQF8Xiyms8nH9Gs+mb0SrI0XWjk2PjMPtkW/Fq4DGSQI3GxHDKRcQhuqHUiHI2bQOq1Aih8cyHTlbYeXEcOjkdpCkFx58BhkD0Snmrzjx5QcgXtxwBVyP6BJgk2+y6Kkiqo8LvOnuiyI5gZCP9m/lCDd279o5UEosglYUXJe5nwX1UmUZhgD8CzgTqhWXge+9X6eTEjF0APncBAteG1DKvU32Qe9y4WelRZpkmVFEsVNFWEEMRTVXU2PR1/r41+1XvCGsD1S6uGgO+8McFyConpzZsZqitoL7HkULagGm+vZhv1deLSD9RpkF1z7P2K9CU0jaol3GsLPsX6sbVh+AZp232lFAgAA&quot;"/>
+    <we:property name="initialStateBookmark" value="&quot;H4sIAAAAAAAAA+1YX2/bNhD/KoFe+uIYsi3rT98cN8OKxK1RF3kpjOJEnh0WjKSSVBYv8OcZtq+RL7YjKafx7MaGl6GbMQQIpOPp7nc/3vGOvg+40JWExTu4weB18LbgggEv1UknaAWFF569f38xGny4+PxuMDoncVkZURY6eH0fGFBzNFdC1yCtCRJ+mrYCkHIMc/s2A6mxFVSodFmAFL+iV6Ylo2pctgK8q2SpwJqcGDBozd6SOr2T7067Rx6BGXGLE2TGS2OcYSdjkHbjJOZp3mMRJzXtFRyyrSrWtHM/LAsDoiA3VsYw7yJjYS8OewwYi6OoZ+VaFHPZAP727cdFZVkxeGfy8s7ykX8hx9bSckkBRVmXrOVp3A+jrNNPEJLMfj0T0jQO88X5XaWIK2LQWxtS5PNSEfkycJwo1J6C+2BYyvrGPZ2vySdlrRh+wJlbKowwC7I0uUY0ncAiGauSiHdSeuS1KZ34uvxlqJAcEiHhsvWIYcBvoWDINwAM5nOFczDN6/mLo7vCgoN20p/qotnlcBPrlCTPbkolcHgNyqzvCr0ojups4Rh/I9Qqkbqtv4D+YZEup6ssJ+UvT/K4SQwP/WUzYerSddajvySLwjgDlmY87oa4M12/myo/C1Sg2PXiEm9RbiJ9XN9cWmG8AiX8ceCiOiDa5jB7NBSsEfDGHjJW7QmW5vlrLeCE4wkH02xSE0YwKJ6vnefq91g5GT38obeQsrNItRQM1VqJBjdIjcQ+WDcu0yqPTqBfL7lbRpeI98GloOT0tq9A1tbsqzPQgr0KXFYL/bagLkKQJih9OY12m7AtyX7vylGvPtwCRxvaajNxUXoHOyy7PtiYtvi21rpT1s7dseaMr6Op7/tQ6FXX91GrUrqnFRO0C9J+6Fe/1qgWBNdpeJhtC6L9CLC9xX3bupzajKDTU0KlbZbajSYRRxf1BS70AefrZUnVbgF8hFzi536UdHo8DU/TNEpOI4z4aRal/BRyBEhjls/YxmHc0GHRjUVRrKDZg+XAaF1RfifcdR+kpMrSJe6KiFUCFrWUTaJ2cdZlCAgh74ZhL8E4DA9vD/+aSWK/k/slEE1wfkPs/t8+9mwfe8yjx8rI9iFjZz9lstZUi8h9um4dgHfPlkdO6vEG2NSRn+b72IG8E2M3TTDLeS9PqOn8py+fIwRdq0O4foJg9PA7J/7GCh9+K09ckzik0oB0/9b98h8M5sfdIIFFWU7Xxk6YhFEY9bHvR4TnqXQAz2pjXBGs/YbirG67HJS10RUwHEOBW6ZyN1Jy5PvO4i0LSdDstv+1wP77E0z9Cco1EwAA&quot;"/>
+    <we:property name="bookmark" value="&quot;H4sIAAAAAAAAA+1WXW/TMBT9K5OfI2Tnw2l428pASBOqKOwF9eHGvs08pXbkOKNl6k/iV/DHsJ2OsTFRJIq2STwl9/jm3uNzTxJfE6n6roXNO1gheUneaqkESGOPGEmIHkGUWcEnlcAiryilmIuq9Kumc8ronry8Jg5sg+5c9QO0oZIHPy0SAm07gyZES2h7TEiHtjcaWvUFx2S/5OyA24TgumuNhVBy7sBhKHvl033sKbAXme8IwqkrnKNwIzphFRS1XGZlJkWWFRUXtU/rx4TI7MGUUDq2nxrtQGnfJmA5r7Miy4uUs6IUgnHGq4D3SjftjvDtsx82XRDH4drVZh30qC9941Bpu/UbqqiYSCpzmrK6kmlOCzoJTy9V63YN683purNeK6/gWO1YXoEWKEkUxGI/7v+aHDeNxQbcLjy9szg17bB6AJ+bwQp8j8u4pJ1yG99jfoHoGAkcZ9b4kUT0bBDWRPD1oHcC0xBemM9Ti34iMgDJD6pTDzXGeru0v7A9BKE5NivUbuR0l8TCI78dijR6cNMLsO7uXHxgJdqTTdT8lbI3VkqTe0wfS+/t4sbmPvfyJyPv5B6ZH1jfRTTshMOykjyHDCnQkqJ38F7DPqILkifw1pyjltDvf232OtZZxBV09+36oBXeWDN0/84HWOdlwTJGK15SKlM6KeHRfTCDb1/7Z26Cp8D1o1YSJPZHgbQ6jHf/1LcH/4TdmGL0bc5K4EUlspIjVnnKoWb/ffv3v/znMv/Sf7LSmmV5CgXjwCmk9d7jG0R6J4Nzvv29M1yseouQFfpTbrgxg+s7EDgDjXEz3chJYczzYwQtg3jx3obrmfIeHPufQzuE1vFMTGKbsIHtd6aOh1KMCwAA&quot;"/>
+    <we:property name="datasetId" value="&quot;36b5070d-5382-4743-8367-587de534c35c&quot;"/>
+    <we:property name="embedUrl" value="&quot;/reportEmbed?reportId=6102f43d-cdf7-4491-82cd-c5572d05ecef&amp;config=eyJjbHVzdGVyVXJsIjoiaHR0cHM6Ly9XQUJJLUJSQVpJTC1TT1VUSC1CLVBSSU1BUlktcmVkaXJlY3QuYW5hbHlzaXMud2luZG93cy5uZXQiLCJlbWJlZEZlYXR1cmVzIjp7InVzYWdlTWV0cmljc1ZOZXh0Ijp0cnVlfX0%3D&amp;disableSensitivityBanner=true&quot;"/>
     <we:property name="backgroundColor" value="&quot;#FFFFFF&quot;"/>
-    <we:property name="isFooterCollapsed" value="true"/>
+  </we:properties>
+  <we:bindings/>
+  <we:snapshot xmlns:r="http://schemas.openxmlformats.org/officeDocument/2006/relationships" r:embed="rId1"/>
+</we:webextension>
+</file>
+
+<file path=ppt/webextensions/webextension3.xml><?xml version="1.0" encoding="utf-8"?>
+<we:webextension xmlns:we="http://schemas.microsoft.com/office/webextensions/webextension/2010/11" id="{10F620B4-A6C1-47AB-B4DA-BFE4E2DC6A97}">
+  <we:reference id="WA200003233" version="2.0.0.3" store="en-US" storeType="omex"/>
+  <we:alternateReferences>
+    <we:reference id="WA200003233" version="2.0.0.3" store="omex" storeType="omex"/>
+  </we:alternateReferences>
+  <we:properties>
+    <we:property name="reportUrl" value="&quot;/groups/me/reports/6102f43d-cdf7-4491-82cd-c5572d05ecef/7414c393c2240d8ce260?bookmarkGuid=4d59f4be-95e2-4dc2-82ef-6d3c0ad82df1&amp;bookmarkUsage=1&amp;ctid=132903ac-469d-4d4a-8811-f116451ba036&amp;fromEntryPoint=export&quot;"/>
+    <we:property name="reportState" value="&quot;CONNECTED&quot;"/>
+    <we:property name="artifactViewState" value="&quot;live&quot;"/>
+    <we:property name="reportEmbeddedTime" value="&quot;2024-07-26T21:54:49.329Z&quot;"/>
+    <we:property name="creatorSessionId" value="&quot;5b20df03-7f17-4590-a400-338d4cf8ead5&quot;"/>
+    <we:property name="creatorUserId" value="&quot;100320039291E7C0&quot;"/>
+    <we:property name="creatorTenantId" value="&quot;132903ac-469d-4d4a-8811-f116451ba036&quot;"/>
+    <we:property name="pageDisplayName" value="&quot;País/Lucro&quot;"/>
+    <we:property name="pageName" value="&quot;7414c393c2240d8ce260&quot;"/>
+    <we:property name="reportName" value="&quot;Desafio - Sample Finanças&quot;"/>
+    <we:property name="isVisualContainerHeaderHidden" value="false"/>
+    <we:property name="isFiltersActionButtonVisible" value="true"/>
+    <we:property name="initialStateBookmark" value="&quot;H4sIAAAAAAAAA+1Z227bOBD9lUAvfXEC3axL33LFBknaIOl6HxZBMSLHNgtZUikqGzfwDy2wX9Ef2yEpuXUiNxcEaOpd+EUcjmbmzJWibx0u6iqH+TuYofPWOS64YMBLueU5A6ewxL3370/Odi9OPr7bPTskclkpURa18/bWUSAnqEaibiDXIoj459XAgTw/h4lejSGvceBUKOuygFx8QctMW0o2uBg4eFPlpQQt8lKBQi32mthpTbq9nYA0AlPiGi+RKUuNQy9kQRow3w9dnjD0I5fYastgLOtl0aKN+v2yUCAKUqNpaRAlPBkyFkEceUHkhgHX9FoUk7w1+Nu7H+aV9orCG5WVN9of2SdSrCUtFgQo9Tw/i/xxxDM3CyEFFg7122ORq1ZhNj+8qST5ijxope3yaygYcsc4RGJt8d86u5OJxAmodnm4srlf5s2sh35ZNpLhBY7NVqGEmpOOyymi8hxt47ksKSSGOsKCQ22oR03RetjVy2n5175ECgnXhCui/NAhDCRf9QYtJEe5NzdID4TsAugP7hj801ASLCJlIfeAftwNkxAhzFjovuKQ/V4IDhzrLY1K/Aei9wjANpCu62Zugh7GQRCzDMGNg1ccyNOGyfLh4A2Wpu4TaVJK6tH5PWtfwqBz+PqPde4T06cSuD8FqV5tCq1x9eKqmy7E++m7+dF62lr+kq69MkPCTQNkgR9BOszoASKMcZMSda2pvwmUINl0forXmN+3arl/f6uzZwRS2POCQfAMZO1pZynIWQF7oE8hmu07W9rnz42ALY5bHFTbhFoYzm5R9tTN4yp3U31y9vXvZzUTljc1VQFym7q9jeXhot1Ur7aZtrkA27SxjXKceuACjwJEN/Voosd+9oob5WNP07/ASH9MFb6a8b7+fP9z5nuWeK7vDnkU02dlEkBGx9Lnp+2mVvr/Q/PlhmadC4ZypUCdGcqJgTXBgrTmJtkqa6DA+ltCrj6NuusXquMjWc7May1UHYilJ05LioxG+QGyHD8Ow9gLeOJuJ0kYb4cY8u00TPg2UNuGJGLZmOlrJWuwq0vzjyk1mLYE6cuu6w/Hd2qxfnyVdqEkQ+8UqE02UjqCvDE3VSTzVCjrmFtLJj7f9cJTw7l2PzD7V/ar08jUcezx7qzkxv9oKr1X3Js9qAV74ywW3Udsb79aGr25md8GiCgM2BT5kUnIA3tBeaxwZuELezfHSNkxt/NjVpEZdTdNutWJKHTpaAVj9fRB85zk7k25gXMhJlO1Jv5dOpmxsXobq7cc3Q43D3K4HnLo6IKiioGi7i6FbeRlmZunrhiILde5Y3c/NyjnhMhw2Ezd0Vh2ljm605OBO9pgEiRqclUOVa3brb6aJhJH45gTnD+hAb28M41156IoOtN0SjwTrZkua+Cu6iAmWZYmhJ0juh5UNHne9SqAiMVx6iUeDn3ImJttwIXbr31buvaqy3xPJSmdS4fjyPOGXhQGMfqhaS4/ggtGyl6jlGn0K394mCLuO3OUjaorYHgOBfaMRlPgHPkD49H8geQYJWSSoEp64AWdvMthulj8C04qDkTiGgAA&quot;"/>
+    <we:property name="bookmark" value="&quot;H4sIAAAAAAAAA+1Z227bOBD9lUAvfXECSqJ16VsuDTZodhE03fRhESxG5NhmIUsuRWXjDfxDC+xX9Mc6JCW3TuzmggBNvQu/iMPRzJy5UvRNIFUzK2H+G0wxeB2cVFIJkLXeCYNBUHlimhUpizI+ZFGc53mWchS0W8+MqqsmeH0TGNBjNBeqaaG0koj4x+UggLI8g7FdjaBscBDMUDd1BaX6Gz0zbRnd4mIQ4PWsrDVYkecGDFqxV8ROazIh3ItJIwijrvAchfHUlIdcxHksoogzmQmMEkZsjWdwlq1lsaKd+sO6MqAqUmNpeZxkMhsKkUCahHHCeCwtvVHVuOwM/vru+/nMOsfgtSnqa+uP4iMptpIWCwKUh2FUJNEokQUrOOQg+NC+PVKl6RQW8zfXM02+Ig96afvyCiqBMnAO0dh4/DfB/niscQymW75Z2Tysy3a6hn5et1rgOxy5rcooMycd5xNEEwbWxjNdU0gc9QIrCY2jHrdV52Fml5P6r0ONFBJpCZdE+a5DBGi56g1aaIn6YO6QHindBzAa3DL4h6EkWEQquAyBfpLxjCPwQnD2gkP2e6UkSGx2LCr1H4jeAwD7QDLGCpZhiGkcp6JAYGn8ggN52gpd3x+8wdLUQyKNa02turxj7XMYdAaf//XOfWT6zBQeTkCbF5tCG1y9uOynC/F+/GZ+dJ72lj+nay/dkGB5jCKOEsiHBT1AgiluU6JuNPUXhRq0mMxP8QrLu1Yt9+9u9fZcgFb+vOAQPAFZd+hZCgpWwB7ZU4hl+8aW7vlTq2BH4o4E0zWhDkawX9Vr6uZhlbutPvn18z9PaiaibBuqApQ+ddc2lvuLdlu92mXa9gLs0sY3ylEeAgOZxIgsD2mip1HxghvlQ0/TP8FIf0gVvpjxvvl8/2Pme5GFLGJDmaT0WZnFUNCx9Olpu62V/v/QfL6h2ZRKoF4p0GCKeuxgjbEiraVLtpk3UGHzNSFXny766xeq42NdT91rHVQbiKUnTmuKjEX5HooS/xzyNIxlxnazjKe7HLnczXkmd4HaNmSJKEbC3i55g5ktzQ8TajBdCdKXXd8fTm7VYvPwKu1DSYbeKlCfbKT0AsrW3VSRzFNlvGNuPJn4IhbyU8e5cT92+5f+q9PJtHFc491pLZ3/0VX6WnGvDqBR4lWwWPQfsWv71dLo7c38LkBEESAmKI9dQh75e8oTg1MPX/m7OUHKTqSfH9MZmdH006RfvVWVLR2rYGQeP2iektxrU24QvFPjidkQ/z6d3NhYvZS1W4Fth9sHmW+GzANbUFQxUDX9pbCPvK5L99QXA7GVNnf87qcW9ZwQOQ6fqXsWy94yR/fWZOCeNZgEqYZcVcKsse3WXk0TSaJzzFucP6IBPb8znXVnqqp602xKPBGtmy4b4K7qICZd1y6EvSP6HlS1Zdn3KoBEpGkeZiEOIygEK7bgwu3nvi3deNXlvqeynM6lw1EShsMw4XGKEXfN5XtwwUk5aI1xjX7lDw9XxOvOHHVrmhkIPIMK14xGV+AS5T3j0f2BtByOi8UXO95Z+LkaAAA=&quot;"/>
+    <we:property name="datasetId" value="&quot;36b5070d-5382-4743-8367-587de534c35c&quot;"/>
+    <we:property name="embedUrl" value="&quot;/reportEmbed?reportId=6102f43d-cdf7-4491-82cd-c5572d05ecef&amp;config=eyJjbHVzdGVyVXJsIjoiaHR0cHM6Ly9XQUJJLUJSQVpJTC1TT1VUSC1CLVBSSU1BUlktcmVkaXJlY3QuYW5hbHlzaXMud2luZG93cy5uZXQiLCJlbWJlZEZlYXR1cmVzIjp7InVzYWdlTWV0cmljc1ZOZXh0Ijp0cnVlfX0%3D&amp;disableSensitivityBanner=true&quot;"/>
+    <we:property name="backgroundColor" value="&quot;#FFFFFF&quot;"/>
+  </we:properties>
+  <we:bindings/>
+  <we:snapshot xmlns:r="http://schemas.openxmlformats.org/officeDocument/2006/relationships" r:embed="rId1"/>
+</we:webextension>
+</file>
+
+<file path=ppt/webextensions/webextension4.xml><?xml version="1.0" encoding="utf-8"?>
+<we:webextension xmlns:we="http://schemas.microsoft.com/office/webextensions/webextension/2010/11" id="{61CF9BD4-5A68-49B1-97AF-09F775DE66DC}">
+  <we:reference id="WA200003233" version="2.0.0.3" store="en-US" storeType="omex"/>
+  <we:alternateReferences>
+    <we:reference id="WA200003233" version="2.0.0.3" store="omex" storeType="omex"/>
+  </we:alternateReferences>
+  <we:properties>
+    <we:property name="reportUrl" value="&quot;/groups/me/reports/6102f43d-cdf7-4491-82cd-c5572d05ecef/819a5bdf373dc33596cb?bookmarkGuid=574e624d-a5e5-4394-8476-c1a4f19f81ce&amp;bookmarkUsage=1&amp;ctid=132903ac-469d-4d4a-8811-f116451ba036&amp;fromEntryPoint=export&quot;"/>
+    <we:property name="reportState" value="&quot;CONNECTED&quot;"/>
+    <we:property name="artifactViewState" value="&quot;live&quot;"/>
+    <we:property name="reportEmbeddedTime" value="&quot;2024-07-26T21:52:34.814Z&quot;"/>
+    <we:property name="creatorSessionId" value="&quot;abb77ee5-5677-4773-b0a4-863ea5e83582&quot;"/>
+    <we:property name="creatorUserId" value="&quot;100320039291E7C0&quot;"/>
+    <we:property name="creatorTenantId" value="&quot;132903ac-469d-4d4a-8811-f116451ba036&quot;"/>
+    <we:property name="pageDisplayName" value="&quot;Lucro/Vendas-País/Segmento&quot;"/>
+    <we:property name="pageName" value="&quot;819a5bdf373dc33596cb&quot;"/>
+    <we:property name="reportName" value="&quot;Desafio - Sample Finanças&quot;"/>
+    <we:property name="isVisualContainerHeaderHidden" value="false"/>
+    <we:property name="isFiltersActionButtonVisible" value="true"/>
+    <we:property name="initialStateBookmark" value="&quot;H4sIAAAAAAAAA+1W224TMRD9lcrPEfLes31LQ0Got6iBvqAIza4nW1cbe+X1loQqn8RX8GOMvSmlpSJIBLWVeMr6eDzneObsZm6YkG1Tw+oUFsj22TslZAlCm72ADZjqwYOzs6OT0fnRp9PRySHBurFSq5bt3zALpkJ7IdsOapeCwI+zAYO6nkDlVnOoWxywBk2rFdTyC/bBtGVNh+sBw2VTawMu5dSCRZf2msJpTdzBq4gYobTyGqdY2h4dBjkkhZhHWSTKKErytCworO0DvLJHQ1xqTz/WyoJUROOwOC2iJIqTMA2SrCyDNEhzh7dSVfVG8N3Z96vGVcXi0hZ66epRXBGxy7Re04VyXg4FFzEPgyIXYcwTPnSn57K2G8JidbhsDNWKKthnG4lrUCUK5gtisO3vf8NGVWWwArtZHt7bHOu6WzyCT3VnSjzHud9SVtoVcUwvEW3AnMaJ0dQSjx53pdEefNOpTYG5W17qz2OD1BHhgMEPqWOCKm3IJ/UvanchaIrVApXtNd0XMSPkt00RWnV2fAnG3u8LLYxAc7DyNX8tza2VwsEDpU9V7/Xs1uYUe/WTkTfl7pXvuL4zb9hhCvNcpDFEyIFnHMnBWw37hC4YPIO35gKVgHb7a7PVsdYgLqB5aNdHrfDW6K75dz7AIs6SIAp4nmaci5APM3hyH0zg29f2hZvgOWj9oKQAge2eEy13490/9e3OP2G3puh9GwcZpEleRlmKmMdhCkXw37d//5f/Uvqf0ScrLIIoDiEJUkg5hMXW8Q28vIPOWqJ/MMP5rHcIWyBNue5Bd7ZtoMQJKPSXaXpNEn0ctRGUcMXzz8b9HkvyYM9/AXXnqP1MzDwJSZJFjVsOuEmZeVnuwuvvuGgo3bULAAA=&quot;"/>
+    <we:property name="bookmark" value="&quot;H4sIAAAAAAAAA+1WXW/TMBT9K5OfI2TnO3vbykBIE6oo7GXqw3V8m3lK7chxRsvUn8Sv4I9hOy1jY6JIFG2TeEp8fHPv8bknyb0lQvZdC+v3sERyTN4pIWsQ2hwxEhE1gkgF52kMCYWKibKknFO3qzsrterJ8S2xYBq0F7IfoPWZHHg5jwi07RQav1pA22NEOjS9VtDKLzgGuy1rBtxEBFddqw34lDMLFn3aGxfu1o4Ce5W4ilBbeYMzrO2IlqyCjItFUiSiTpKsymvuwvoxIDB7NMSnDuUnWlmQypXxWJrzJEvSLM5ZVtQ1y1leebyXqmm3hO+e/bjuvDgWV5brldeDX7vCPtNm4w5U0boUVKQ0ZrwScUozWvqnF7K124J8fbbqjNPKKThmOxE3oGoUJAhisB/Pf0tOmsZgA3a7PLu3OdHtsHwEn+nB1PgBF2FLWWnXrsbsCtEy4jlOjXYtCej5UBsdwDeD2gpM/fJKf54YdB0RHoh+UJ04qNHG2aX9he0hCM2wWaKyI6f7JOYO+W1ThFaDnVyBsff74hZGoDldB81fS7OzUhw9YPpUem/mO5u72OufjLyVe2R+YH3nwbBlDotK5CkkSIEWFJ2D9xr2CV0QPYO35gKVgH7/a7PXsdYgLqF7aNdHrfDW6KH7dz5AnhYZSxit8oJSEdOygCf3wRS+fe1fuAmeA9dPSgoQ2B950vIw3v1T3x78E7YzxejblBWQZ1WdFDlilcY5cPbft3//y38p/S/cJyvmLHGTasZyyCnEfO/4BoHe6WCtK/9ghgtZ7xCyRDfl+hs92L6DGqegMBymGzlJDHGujaCEFy/cG389l86DY/0LaAdfOszEJJTxB9h8B74bPp+MCwAA&quot;"/>
+    <we:property name="datasetId" value="&quot;36b5070d-5382-4743-8367-587de534c35c&quot;"/>
+    <we:property name="embedUrl" value="&quot;/reportEmbed?reportId=6102f43d-cdf7-4491-82cd-c5572d05ecef&amp;config=eyJjbHVzdGVyVXJsIjoiaHR0cHM6Ly9XQUJJLUJSQVpJTC1TT1VUSC1CLVBSSU1BUlktcmVkaXJlY3QuYW5hbHlzaXMud2luZG93cy5uZXQiLCJlbWJlZEZlYXR1cmVzIjp7InVzYWdlTWV0cmljc1ZOZXh0Ijp0cnVlfX0%3D&amp;disableSensitivityBanner=true&quot;"/>
+    <we:property name="backgroundColor" value="&quot;#FFFFFF&quot;"/>
   </we:properties>
   <we:bindings/>
   <we:snapshot xmlns:r="http://schemas.openxmlformats.org/officeDocument/2006/relationships" r:embed="rId1"/>
